--- a/docs/diagrams/UndoRedoExecuteUndoStateListDiagram.pptx
+++ b/docs/diagrams/UndoRedoExecuteUndoStateListDiagram.pptx
@@ -112,10 +112,6 @@
 </p:presentation>
 </file>
 
-<file path=ppt/revisionInfo.xml><?xml version="1.0" encoding="utf-8"?>
-<p1510:revInfo xmlns:a="http://schemas.openxmlformats.org/drawingml/2006/main" xmlns:r="http://schemas.openxmlformats.org/officeDocument/2006/relationships" xmlns:p1510="http://schemas.microsoft.com/office/powerpoint/2015/10/main"/>
-</file>
-
 <file path=ppt/slideLayouts/slideLayout1.xml><?xml version="1.0" encoding="utf-8"?>
 <p:sldLayout xmlns:a="http://schemas.openxmlformats.org/drawingml/2006/main" xmlns:r="http://schemas.openxmlformats.org/officeDocument/2006/relationships" xmlns:p="http://schemas.openxmlformats.org/presentationml/2006/main" type="title" preserve="1">
   <p:cSld name="Title Slide">
@@ -265,7 +261,7 @@
           <a:p>
             <a:fld id="{03EC4E3E-8101-482F-A883-8B55DAFF7C07}" type="datetimeFigureOut">
               <a:rPr lang="en-SG" smtClean="0"/>
-              <a:t>6/7/2018</a:t>
+              <a:t>11/11/2018</a:t>
             </a:fld>
             <a:endParaRPr lang="en-SG"/>
           </a:p>
@@ -465,7 +461,7 @@
           <a:p>
             <a:fld id="{03EC4E3E-8101-482F-A883-8B55DAFF7C07}" type="datetimeFigureOut">
               <a:rPr lang="en-SG" smtClean="0"/>
-              <a:t>6/7/2018</a:t>
+              <a:t>11/11/2018</a:t>
             </a:fld>
             <a:endParaRPr lang="en-SG"/>
           </a:p>
@@ -675,7 +671,7 @@
           <a:p>
             <a:fld id="{03EC4E3E-8101-482F-A883-8B55DAFF7C07}" type="datetimeFigureOut">
               <a:rPr lang="en-SG" smtClean="0"/>
-              <a:t>6/7/2018</a:t>
+              <a:t>11/11/2018</a:t>
             </a:fld>
             <a:endParaRPr lang="en-SG"/>
           </a:p>
@@ -875,7 +871,7 @@
           <a:p>
             <a:fld id="{03EC4E3E-8101-482F-A883-8B55DAFF7C07}" type="datetimeFigureOut">
               <a:rPr lang="en-SG" smtClean="0"/>
-              <a:t>6/7/2018</a:t>
+              <a:t>11/11/2018</a:t>
             </a:fld>
             <a:endParaRPr lang="en-SG"/>
           </a:p>
@@ -1151,7 +1147,7 @@
           <a:p>
             <a:fld id="{03EC4E3E-8101-482F-A883-8B55DAFF7C07}" type="datetimeFigureOut">
               <a:rPr lang="en-SG" smtClean="0"/>
-              <a:t>6/7/2018</a:t>
+              <a:t>11/11/2018</a:t>
             </a:fld>
             <a:endParaRPr lang="en-SG"/>
           </a:p>
@@ -1419,7 +1415,7 @@
           <a:p>
             <a:fld id="{03EC4E3E-8101-482F-A883-8B55DAFF7C07}" type="datetimeFigureOut">
               <a:rPr lang="en-SG" smtClean="0"/>
-              <a:t>6/7/2018</a:t>
+              <a:t>11/11/2018</a:t>
             </a:fld>
             <a:endParaRPr lang="en-SG"/>
           </a:p>
@@ -1834,7 +1830,7 @@
           <a:p>
             <a:fld id="{03EC4E3E-8101-482F-A883-8B55DAFF7C07}" type="datetimeFigureOut">
               <a:rPr lang="en-SG" smtClean="0"/>
-              <a:t>6/7/2018</a:t>
+              <a:t>11/11/2018</a:t>
             </a:fld>
             <a:endParaRPr lang="en-SG"/>
           </a:p>
@@ -1976,7 +1972,7 @@
           <a:p>
             <a:fld id="{03EC4E3E-8101-482F-A883-8B55DAFF7C07}" type="datetimeFigureOut">
               <a:rPr lang="en-SG" smtClean="0"/>
-              <a:t>6/7/2018</a:t>
+              <a:t>11/11/2018</a:t>
             </a:fld>
             <a:endParaRPr lang="en-SG"/>
           </a:p>
@@ -2089,7 +2085,7 @@
           <a:p>
             <a:fld id="{03EC4E3E-8101-482F-A883-8B55DAFF7C07}" type="datetimeFigureOut">
               <a:rPr lang="en-SG" smtClean="0"/>
-              <a:t>6/7/2018</a:t>
+              <a:t>11/11/2018</a:t>
             </a:fld>
             <a:endParaRPr lang="en-SG"/>
           </a:p>
@@ -2402,7 +2398,7 @@
           <a:p>
             <a:fld id="{03EC4E3E-8101-482F-A883-8B55DAFF7C07}" type="datetimeFigureOut">
               <a:rPr lang="en-SG" smtClean="0"/>
-              <a:t>6/7/2018</a:t>
+              <a:t>11/11/2018</a:t>
             </a:fld>
             <a:endParaRPr lang="en-SG"/>
           </a:p>
@@ -2691,7 +2687,7 @@
           <a:p>
             <a:fld id="{03EC4E3E-8101-482F-A883-8B55DAFF7C07}" type="datetimeFigureOut">
               <a:rPr lang="en-SG" smtClean="0"/>
-              <a:t>6/7/2018</a:t>
+              <a:t>11/11/2018</a:t>
             </a:fld>
             <a:endParaRPr lang="en-SG"/>
           </a:p>
@@ -2934,7 +2930,7 @@
           <a:p>
             <a:fld id="{03EC4E3E-8101-482F-A883-8B55DAFF7C07}" type="datetimeFigureOut">
               <a:rPr lang="en-SG" smtClean="0"/>
-              <a:t>6/7/2018</a:t>
+              <a:t>11/11/2018</a:t>
             </a:fld>
             <a:endParaRPr lang="en-SG"/>
           </a:p>
@@ -3365,7 +3361,7 @@
         </p:nvSpPr>
         <p:spPr>
           <a:xfrm>
-            <a:off x="5890055" y="4704348"/>
+            <a:off x="5890055" y="4011883"/>
             <a:ext cx="5504846" cy="646331"/>
           </a:xfrm>
           <a:prstGeom prst="rect">
@@ -3407,7 +3403,15 @@
             <a:pPr algn="ctr"/>
             <a:r>
               <a:rPr lang="en-SG" dirty="0"/>
-              <a:t>The state of the address book (before ‘add n/David …’ was executed) will be restored to state ab1.</a:t>
+              <a:t>The state of Inventory Manager(before ‘add n/</a:t>
+            </a:r>
+            <a:r>
+              <a:rPr lang="en-SG" dirty="0" err="1"/>
+              <a:t>Iphone</a:t>
+            </a:r>
+            <a:r>
+              <a:rPr lang="en-SG" dirty="0"/>
+              <a:t> …’ was executed) will be restored to state im1.</a:t>
             </a:r>
           </a:p>
         </p:txBody>
@@ -3420,7 +3424,7 @@
         </p:nvSpPr>
         <p:spPr>
           <a:xfrm>
-            <a:off x="7512000" y="2116184"/>
+            <a:off x="7156893" y="1304261"/>
             <a:ext cx="1335908" cy="1558834"/>
           </a:xfrm>
           <a:prstGeom prst="downArrow">
@@ -3458,7 +3462,7 @@
       </p:sp>
       <p:sp>
         <p:nvSpPr>
-          <p:cNvPr id="17" name="TextBox 16">
+          <p:cNvPr id="29" name="TextBox 28">
             <a:extLst>
               <a:ext uri="{FF2B5EF4-FFF2-40B4-BE49-F238E27FC236}">
                 <a16:creationId xmlns:a16="http://schemas.microsoft.com/office/drawing/2014/main" id="{3151A13B-9509-43FA-BFEB-1D9866A00B84}"/>
@@ -3470,7 +3474,7 @@
         </p:nvSpPr>
         <p:spPr>
           <a:xfrm>
-            <a:off x="3917960" y="2726030"/>
+            <a:off x="1308516" y="4500156"/>
             <a:ext cx="3207000" cy="369332"/>
           </a:xfrm>
           <a:prstGeom prst="rect">
@@ -3495,131 +3499,61 @@
               <a:rPr lang="en-SG" dirty="0">
                 <a:latin typeface="Consolas" panose="020B0609020204030204" pitchFamily="49" charset="0"/>
               </a:rPr>
-              <a:t> = 2</a:t>
-            </a:r>
-          </a:p>
-        </p:txBody>
-      </p:sp>
-      <p:graphicFrame>
-        <p:nvGraphicFramePr>
-          <p:cNvPr id="18" name="Table 17">
-            <a:extLst>
-              <a:ext uri="{FF2B5EF4-FFF2-40B4-BE49-F238E27FC236}">
-                <a16:creationId xmlns:a16="http://schemas.microsoft.com/office/drawing/2014/main" id="{F545FAB8-F1CE-4886-9BDE-E772BCB0A9C4}"/>
-              </a:ext>
-            </a:extLst>
-          </p:cNvPr>
-          <p:cNvGraphicFramePr>
-            <a:graphicFrameLocks noGrp="1"/>
-          </p:cNvGraphicFramePr>
-          <p:nvPr>
-            <p:extLst>
-              <p:ext uri="{D42A27DB-BD31-4B8C-83A1-F6EECF244321}">
-                <p14:modId xmlns:p14="http://schemas.microsoft.com/office/powerpoint/2010/main" val="1674993041"/>
-              </p:ext>
-            </p:extLst>
-          </p:nvPr>
-        </p:nvGraphicFramePr>
-        <p:xfrm>
-          <a:off x="473240" y="1476102"/>
-          <a:ext cx="1825824" cy="417888"/>
-        </p:xfrm>
-        <a:graphic>
-          <a:graphicData uri="http://schemas.openxmlformats.org/drawingml/2006/table">
-            <a:tbl>
-              <a:tblPr>
-                <a:tableStyleId>{638B1855-1B75-4FBE-930C-398BA8C253C6}</a:tableStyleId>
-              </a:tblPr>
-              <a:tblGrid>
-                <a:gridCol w="1825824">
-                  <a:extLst>
-                    <a:ext uri="{9D8B030D-6E8A-4147-A177-3AD203B41FA5}">
-                      <a16:colId xmlns:a16="http://schemas.microsoft.com/office/drawing/2014/main" val="4240773277"/>
-                    </a:ext>
-                  </a:extLst>
-                </a:gridCol>
-              </a:tblGrid>
-              <a:tr h="417888">
-                <a:tc>
-                  <a:txBody>
-                    <a:bodyPr/>
-                    <a:lstStyle/>
-                    <a:p>
-                      <a:r>
-                        <a:rPr lang="en-SG" u="sng" dirty="0"/>
-                        <a:t>ab0:</a:t>
-                      </a:r>
-                      <a:r>
-                        <a:rPr lang="en-SG" sz="1800" u="sng" dirty="0"/>
-                        <a:t>AddressBook</a:t>
-                      </a:r>
-                      <a:endParaRPr lang="en-SG" u="sng" dirty="0"/>
-                    </a:p>
-                  </a:txBody>
-                  <a:tcPr/>
-                </a:tc>
-                <a:extLst>
-                  <a:ext uri="{0D108BD9-81ED-4DB2-BD59-A6C34878D82A}">
-                    <a16:rowId xmlns:a16="http://schemas.microsoft.com/office/drawing/2014/main" val="2194462629"/>
-                  </a:ext>
-                </a:extLst>
-              </a:tr>
-            </a:tbl>
-          </a:graphicData>
-        </a:graphic>
-      </p:graphicFrame>
-      <p:sp>
-        <p:nvSpPr>
-          <p:cNvPr id="28" name="Rectangle 27"/>
-          <p:cNvSpPr/>
+              <a:t> = 1</a:t>
+            </a:r>
+          </a:p>
+        </p:txBody>
+      </p:sp>
+      <p:cxnSp>
+        <p:nvCxnSpPr>
+          <p:cNvPr id="25" name="Straight Arrow Connector 24">
+            <a:extLst>
+              <a:ext uri="{FF2B5EF4-FFF2-40B4-BE49-F238E27FC236}">
+                <a16:creationId xmlns:a16="http://schemas.microsoft.com/office/drawing/2014/main" id="{CC39FF7A-ED45-4697-B75C-01E9C1C55F2A}"/>
+              </a:ext>
+            </a:extLst>
+          </p:cNvPr>
+          <p:cNvCxnSpPr>
+            <a:cxnSpLocks/>
+          </p:cNvCxnSpPr>
           <p:nvPr/>
-        </p:nvSpPr>
+        </p:nvCxnSpPr>
         <p:spPr>
-          <a:xfrm>
-            <a:off x="364797" y="1375953"/>
-            <a:ext cx="11364686" cy="618187"/>
+          <a:xfrm flipV="1">
+            <a:off x="2912016" y="3770155"/>
+            <a:ext cx="0" cy="730001"/>
           </a:xfrm>
-          <a:prstGeom prst="rect">
+          <a:prstGeom prst="straightConnector1">
             <a:avLst/>
           </a:prstGeom>
-          <a:noFill/>
           <a:ln>
             <a:solidFill>
-              <a:schemeClr val="tx1"/>
+              <a:srgbClr val="C00000"/>
             </a:solidFill>
+            <a:tailEnd type="triangle"/>
           </a:ln>
         </p:spPr>
         <p:style>
-          <a:lnRef idx="2">
-            <a:schemeClr val="accent1">
-              <a:shade val="50000"/>
-            </a:schemeClr>
+          <a:lnRef idx="1">
+            <a:schemeClr val="accent1"/>
           </a:lnRef>
-          <a:fillRef idx="1">
+          <a:fillRef idx="0">
             <a:schemeClr val="accent1"/>
           </a:fillRef>
           <a:effectRef idx="0">
             <a:schemeClr val="accent1"/>
           </a:effectRef>
           <a:fontRef idx="minor">
-            <a:schemeClr val="lt1"/>
+            <a:schemeClr val="tx1"/>
           </a:fontRef>
         </p:style>
-        <p:txBody>
-          <a:bodyPr rtlCol="0" anchor="ctr"/>
-          <a:lstStyle/>
-          <a:p>
-            <a:pPr algn="ctr"/>
-            <a:endParaRPr lang="en-US"/>
-          </a:p>
-        </p:txBody>
-      </p:sp>
-      <p:sp>
-        <p:nvSpPr>
-          <p:cNvPr id="29" name="TextBox 28">
-            <a:extLst>
-              <a:ext uri="{FF2B5EF4-FFF2-40B4-BE49-F238E27FC236}">
-                <a16:creationId xmlns:a16="http://schemas.microsoft.com/office/drawing/2014/main" id="{3151A13B-9509-43FA-BFEB-1D9866A00B84}"/>
+      </p:cxnSp>
+      <p:sp>
+        <p:nvSpPr>
+          <p:cNvPr id="30" name="TextBox 18">
+            <a:extLst>
+              <a:ext uri="{FF2B5EF4-FFF2-40B4-BE49-F238E27FC236}">
+                <a16:creationId xmlns:a16="http://schemas.microsoft.com/office/drawing/2014/main" id="{8BB79921-D7CA-43B5-B5FD-03C3E30312D6}"/>
               </a:ext>
             </a:extLst>
           </p:cNvPr>
@@ -3628,7 +3562,7 @@
         </p:nvSpPr>
         <p:spPr>
           <a:xfrm>
-            <a:off x="1939992" y="5234888"/>
+            <a:off x="3093378" y="1990572"/>
             <a:ext cx="3207000" cy="369332"/>
           </a:xfrm>
           <a:prstGeom prst="rect">
@@ -3653,20 +3587,26 @@
               <a:rPr lang="en-SG" dirty="0">
                 <a:latin typeface="Consolas" panose="020B0609020204030204" pitchFamily="49" charset="0"/>
               </a:rPr>
-              <a:t> = 1</a:t>
-            </a:r>
-          </a:p>
-        </p:txBody>
-      </p:sp>
-      <p:sp>
-        <p:nvSpPr>
-          <p:cNvPr id="38" name="Rectangle 37"/>
+              <a:t> = 2</a:t>
+            </a:r>
+          </a:p>
+        </p:txBody>
+      </p:sp>
+      <p:sp>
+        <p:nvSpPr>
+          <p:cNvPr id="31" name="Rectangle 26">
+            <a:extLst>
+              <a:ext uri="{FF2B5EF4-FFF2-40B4-BE49-F238E27FC236}">
+                <a16:creationId xmlns:a16="http://schemas.microsoft.com/office/drawing/2014/main" id="{23B38598-ACF6-43AA-AB7A-4C4B6508DDBD}"/>
+              </a:ext>
+            </a:extLst>
+          </p:cNvPr>
           <p:cNvSpPr/>
           <p:nvPr/>
         </p:nvSpPr>
         <p:spPr>
           <a:xfrm>
-            <a:off x="387404" y="3838574"/>
+            <a:off x="384356" y="583565"/>
             <a:ext cx="11364686" cy="593918"/>
           </a:xfrm>
           <a:prstGeom prst="rect">
@@ -3704,352 +3644,12 @@
           </a:p>
         </p:txBody>
       </p:sp>
-      <p:graphicFrame>
-        <p:nvGraphicFramePr>
-          <p:cNvPr id="16" name="Table 15">
-            <a:extLst>
-              <a:ext uri="{FF2B5EF4-FFF2-40B4-BE49-F238E27FC236}">
-                <a16:creationId xmlns:a16="http://schemas.microsoft.com/office/drawing/2014/main" id="{F545FAB8-F1CE-4886-9BDE-E772BCB0A9C4}"/>
-              </a:ext>
-            </a:extLst>
-          </p:cNvPr>
-          <p:cNvGraphicFramePr>
-            <a:graphicFrameLocks noGrp="1"/>
-          </p:cNvGraphicFramePr>
-          <p:nvPr>
-            <p:extLst>
-              <p:ext uri="{D42A27DB-BD31-4B8C-83A1-F6EECF244321}">
-                <p14:modId xmlns:p14="http://schemas.microsoft.com/office/powerpoint/2010/main" val="3085921390"/>
-              </p:ext>
-            </p:extLst>
-          </p:nvPr>
-        </p:nvGraphicFramePr>
-        <p:xfrm>
-          <a:off x="2440458" y="1476102"/>
-          <a:ext cx="1825824" cy="417888"/>
-        </p:xfrm>
-        <a:graphic>
-          <a:graphicData uri="http://schemas.openxmlformats.org/drawingml/2006/table">
-            <a:tbl>
-              <a:tblPr>
-                <a:tableStyleId>{638B1855-1B75-4FBE-930C-398BA8C253C6}</a:tableStyleId>
-              </a:tblPr>
-              <a:tblGrid>
-                <a:gridCol w="1825824">
-                  <a:extLst>
-                    <a:ext uri="{9D8B030D-6E8A-4147-A177-3AD203B41FA5}">
-                      <a16:colId xmlns:a16="http://schemas.microsoft.com/office/drawing/2014/main" val="4240773277"/>
-                    </a:ext>
-                  </a:extLst>
-                </a:gridCol>
-              </a:tblGrid>
-              <a:tr h="417888">
-                <a:tc>
-                  <a:txBody>
-                    <a:bodyPr/>
-                    <a:lstStyle/>
-                    <a:p>
-                      <a:r>
-                        <a:rPr lang="en-SG" u="sng" dirty="0"/>
-                        <a:t>ab1:</a:t>
-                      </a:r>
-                      <a:r>
-                        <a:rPr lang="en-SG" sz="1800" u="sng" dirty="0"/>
-                        <a:t>AddressBook</a:t>
-                      </a:r>
-                      <a:endParaRPr lang="en-SG" u="sng" dirty="0"/>
-                    </a:p>
-                  </a:txBody>
-                  <a:tcPr/>
-                </a:tc>
-                <a:extLst>
-                  <a:ext uri="{0D108BD9-81ED-4DB2-BD59-A6C34878D82A}">
-                    <a16:rowId xmlns:a16="http://schemas.microsoft.com/office/drawing/2014/main" val="2194462629"/>
-                  </a:ext>
-                </a:extLst>
-              </a:tr>
-            </a:tbl>
-          </a:graphicData>
-        </a:graphic>
-      </p:graphicFrame>
-      <p:graphicFrame>
-        <p:nvGraphicFramePr>
-          <p:cNvPr id="20" name="Table 19">
-            <a:extLst>
-              <a:ext uri="{FF2B5EF4-FFF2-40B4-BE49-F238E27FC236}">
-                <a16:creationId xmlns:a16="http://schemas.microsoft.com/office/drawing/2014/main" id="{F545FAB8-F1CE-4886-9BDE-E772BCB0A9C4}"/>
-              </a:ext>
-            </a:extLst>
-          </p:cNvPr>
-          <p:cNvGraphicFramePr>
-            <a:graphicFrameLocks noGrp="1"/>
-          </p:cNvGraphicFramePr>
-          <p:nvPr>
-            <p:extLst>
-              <p:ext uri="{D42A27DB-BD31-4B8C-83A1-F6EECF244321}">
-                <p14:modId xmlns:p14="http://schemas.microsoft.com/office/powerpoint/2010/main" val="3504448791"/>
-              </p:ext>
-            </p:extLst>
-          </p:nvPr>
-        </p:nvGraphicFramePr>
-        <p:xfrm>
-          <a:off x="4409785" y="1476102"/>
-          <a:ext cx="1825824" cy="417888"/>
-        </p:xfrm>
-        <a:graphic>
-          <a:graphicData uri="http://schemas.openxmlformats.org/drawingml/2006/table">
-            <a:tbl>
-              <a:tblPr>
-                <a:tableStyleId>{638B1855-1B75-4FBE-930C-398BA8C253C6}</a:tableStyleId>
-              </a:tblPr>
-              <a:tblGrid>
-                <a:gridCol w="1825824">
-                  <a:extLst>
-                    <a:ext uri="{9D8B030D-6E8A-4147-A177-3AD203B41FA5}">
-                      <a16:colId xmlns:a16="http://schemas.microsoft.com/office/drawing/2014/main" val="4240773277"/>
-                    </a:ext>
-                  </a:extLst>
-                </a:gridCol>
-              </a:tblGrid>
-              <a:tr h="417888">
-                <a:tc>
-                  <a:txBody>
-                    <a:bodyPr/>
-                    <a:lstStyle/>
-                    <a:p>
-                      <a:r>
-                        <a:rPr lang="en-SG" u="sng" dirty="0"/>
-                        <a:t>ab2:</a:t>
-                      </a:r>
-                      <a:r>
-                        <a:rPr lang="en-SG" sz="1800" u="sng" dirty="0"/>
-                        <a:t>AddressBook</a:t>
-                      </a:r>
-                      <a:endParaRPr lang="en-SG" u="sng" dirty="0"/>
-                    </a:p>
-                  </a:txBody>
-                  <a:tcPr/>
-                </a:tc>
-                <a:extLst>
-                  <a:ext uri="{0D108BD9-81ED-4DB2-BD59-A6C34878D82A}">
-                    <a16:rowId xmlns:a16="http://schemas.microsoft.com/office/drawing/2014/main" val="2194462629"/>
-                  </a:ext>
-                </a:extLst>
-              </a:tr>
-            </a:tbl>
-          </a:graphicData>
-        </a:graphic>
-      </p:graphicFrame>
-      <p:graphicFrame>
-        <p:nvGraphicFramePr>
-          <p:cNvPr id="21" name="Table 20">
-            <a:extLst>
-              <a:ext uri="{FF2B5EF4-FFF2-40B4-BE49-F238E27FC236}">
-                <a16:creationId xmlns:a16="http://schemas.microsoft.com/office/drawing/2014/main" id="{F545FAB8-F1CE-4886-9BDE-E772BCB0A9C4}"/>
-              </a:ext>
-            </a:extLst>
-          </p:cNvPr>
-          <p:cNvGraphicFramePr>
-            <a:graphicFrameLocks noGrp="1"/>
-          </p:cNvGraphicFramePr>
-          <p:nvPr>
-            <p:extLst>
-              <p:ext uri="{D42A27DB-BD31-4B8C-83A1-F6EECF244321}">
-                <p14:modId xmlns:p14="http://schemas.microsoft.com/office/powerpoint/2010/main" val="3880678430"/>
-              </p:ext>
-            </p:extLst>
-          </p:nvPr>
-        </p:nvGraphicFramePr>
-        <p:xfrm>
-          <a:off x="473240" y="3922133"/>
-          <a:ext cx="1825824" cy="417888"/>
-        </p:xfrm>
-        <a:graphic>
-          <a:graphicData uri="http://schemas.openxmlformats.org/drawingml/2006/table">
-            <a:tbl>
-              <a:tblPr>
-                <a:tableStyleId>{638B1855-1B75-4FBE-930C-398BA8C253C6}</a:tableStyleId>
-              </a:tblPr>
-              <a:tblGrid>
-                <a:gridCol w="1825824">
-                  <a:extLst>
-                    <a:ext uri="{9D8B030D-6E8A-4147-A177-3AD203B41FA5}">
-                      <a16:colId xmlns:a16="http://schemas.microsoft.com/office/drawing/2014/main" val="4240773277"/>
-                    </a:ext>
-                  </a:extLst>
-                </a:gridCol>
-              </a:tblGrid>
-              <a:tr h="417888">
-                <a:tc>
-                  <a:txBody>
-                    <a:bodyPr/>
-                    <a:lstStyle/>
-                    <a:p>
-                      <a:r>
-                        <a:rPr lang="en-SG" u="sng" dirty="0"/>
-                        <a:t>ab0:</a:t>
-                      </a:r>
-                      <a:r>
-                        <a:rPr lang="en-SG" sz="1800" u="sng" dirty="0"/>
-                        <a:t>AddressBook</a:t>
-                      </a:r>
-                      <a:endParaRPr lang="en-SG" u="sng" dirty="0"/>
-                    </a:p>
-                  </a:txBody>
-                  <a:tcPr/>
-                </a:tc>
-                <a:extLst>
-                  <a:ext uri="{0D108BD9-81ED-4DB2-BD59-A6C34878D82A}">
-                    <a16:rowId xmlns:a16="http://schemas.microsoft.com/office/drawing/2014/main" val="2194462629"/>
-                  </a:ext>
-                </a:extLst>
-              </a:tr>
-            </a:tbl>
-          </a:graphicData>
-        </a:graphic>
-      </p:graphicFrame>
-      <p:graphicFrame>
-        <p:nvGraphicFramePr>
-          <p:cNvPr id="22" name="Table 21">
-            <a:extLst>
-              <a:ext uri="{FF2B5EF4-FFF2-40B4-BE49-F238E27FC236}">
-                <a16:creationId xmlns:a16="http://schemas.microsoft.com/office/drawing/2014/main" id="{F545FAB8-F1CE-4886-9BDE-E772BCB0A9C4}"/>
-              </a:ext>
-            </a:extLst>
-          </p:cNvPr>
-          <p:cNvGraphicFramePr>
-            <a:graphicFrameLocks noGrp="1"/>
-          </p:cNvGraphicFramePr>
-          <p:nvPr>
-            <p:extLst>
-              <p:ext uri="{D42A27DB-BD31-4B8C-83A1-F6EECF244321}">
-                <p14:modId xmlns:p14="http://schemas.microsoft.com/office/powerpoint/2010/main" val="719723626"/>
-              </p:ext>
-            </p:extLst>
-          </p:nvPr>
-        </p:nvGraphicFramePr>
-        <p:xfrm>
-          <a:off x="2440458" y="3922133"/>
-          <a:ext cx="1825824" cy="417888"/>
-        </p:xfrm>
-        <a:graphic>
-          <a:graphicData uri="http://schemas.openxmlformats.org/drawingml/2006/table">
-            <a:tbl>
-              <a:tblPr>
-                <a:tableStyleId>{638B1855-1B75-4FBE-930C-398BA8C253C6}</a:tableStyleId>
-              </a:tblPr>
-              <a:tblGrid>
-                <a:gridCol w="1825824">
-                  <a:extLst>
-                    <a:ext uri="{9D8B030D-6E8A-4147-A177-3AD203B41FA5}">
-                      <a16:colId xmlns:a16="http://schemas.microsoft.com/office/drawing/2014/main" val="4240773277"/>
-                    </a:ext>
-                  </a:extLst>
-                </a:gridCol>
-              </a:tblGrid>
-              <a:tr h="417888">
-                <a:tc>
-                  <a:txBody>
-                    <a:bodyPr/>
-                    <a:lstStyle/>
-                    <a:p>
-                      <a:r>
-                        <a:rPr lang="en-SG" u="sng" dirty="0"/>
-                        <a:t>ab1:</a:t>
-                      </a:r>
-                      <a:r>
-                        <a:rPr lang="en-SG" sz="1800" u="sng" dirty="0"/>
-                        <a:t>AddressBook</a:t>
-                      </a:r>
-                      <a:endParaRPr lang="en-SG" u="sng" dirty="0"/>
-                    </a:p>
-                  </a:txBody>
-                  <a:tcPr/>
-                </a:tc>
-                <a:extLst>
-                  <a:ext uri="{0D108BD9-81ED-4DB2-BD59-A6C34878D82A}">
-                    <a16:rowId xmlns:a16="http://schemas.microsoft.com/office/drawing/2014/main" val="2194462629"/>
-                  </a:ext>
-                </a:extLst>
-              </a:tr>
-            </a:tbl>
-          </a:graphicData>
-        </a:graphic>
-      </p:graphicFrame>
-      <p:graphicFrame>
-        <p:nvGraphicFramePr>
-          <p:cNvPr id="23" name="Table 22">
-            <a:extLst>
-              <a:ext uri="{FF2B5EF4-FFF2-40B4-BE49-F238E27FC236}">
-                <a16:creationId xmlns:a16="http://schemas.microsoft.com/office/drawing/2014/main" id="{F545FAB8-F1CE-4886-9BDE-E772BCB0A9C4}"/>
-              </a:ext>
-            </a:extLst>
-          </p:cNvPr>
-          <p:cNvGraphicFramePr>
-            <a:graphicFrameLocks noGrp="1"/>
-          </p:cNvGraphicFramePr>
-          <p:nvPr>
-            <p:extLst>
-              <p:ext uri="{D42A27DB-BD31-4B8C-83A1-F6EECF244321}">
-                <p14:modId xmlns:p14="http://schemas.microsoft.com/office/powerpoint/2010/main" val="3592690620"/>
-              </p:ext>
-            </p:extLst>
-          </p:nvPr>
-        </p:nvGraphicFramePr>
-        <p:xfrm>
-          <a:off x="4409785" y="3922133"/>
-          <a:ext cx="1825824" cy="417888"/>
-        </p:xfrm>
-        <a:graphic>
-          <a:graphicData uri="http://schemas.openxmlformats.org/drawingml/2006/table">
-            <a:tbl>
-              <a:tblPr>
-                <a:tableStyleId>{638B1855-1B75-4FBE-930C-398BA8C253C6}</a:tableStyleId>
-              </a:tblPr>
-              <a:tblGrid>
-                <a:gridCol w="1825824">
-                  <a:extLst>
-                    <a:ext uri="{9D8B030D-6E8A-4147-A177-3AD203B41FA5}">
-                      <a16:colId xmlns:a16="http://schemas.microsoft.com/office/drawing/2014/main" val="4240773277"/>
-                    </a:ext>
-                  </a:extLst>
-                </a:gridCol>
-              </a:tblGrid>
-              <a:tr h="417888">
-                <a:tc>
-                  <a:txBody>
-                    <a:bodyPr/>
-                    <a:lstStyle/>
-                    <a:p>
-                      <a:r>
-                        <a:rPr lang="en-SG" u="sng" dirty="0"/>
-                        <a:t>ab2:</a:t>
-                      </a:r>
-                      <a:r>
-                        <a:rPr lang="en-SG" sz="1800" u="sng" dirty="0"/>
-                        <a:t>AddressBook</a:t>
-                      </a:r>
-                      <a:endParaRPr lang="en-SG" u="sng" dirty="0"/>
-                    </a:p>
-                  </a:txBody>
-                  <a:tcPr/>
-                </a:tc>
-                <a:extLst>
-                  <a:ext uri="{0D108BD9-81ED-4DB2-BD59-A6C34878D82A}">
-                    <a16:rowId xmlns:a16="http://schemas.microsoft.com/office/drawing/2014/main" val="2194462629"/>
-                  </a:ext>
-                </a:extLst>
-              </a:tr>
-            </a:tbl>
-          </a:graphicData>
-        </a:graphic>
-      </p:graphicFrame>
       <p:cxnSp>
         <p:nvCxnSpPr>
-          <p:cNvPr id="19" name="Straight Arrow Connector 18">
-            <a:extLst>
-              <a:ext uri="{FF2B5EF4-FFF2-40B4-BE49-F238E27FC236}">
-                <a16:creationId xmlns:a16="http://schemas.microsoft.com/office/drawing/2014/main" id="{DC8F2CFA-FFF8-41BD-B884-8ACDF8C96486}"/>
+          <p:cNvPr id="32" name="Straight Arrow Connector 15">
+            <a:extLst>
+              <a:ext uri="{FF2B5EF4-FFF2-40B4-BE49-F238E27FC236}">
+                <a16:creationId xmlns:a16="http://schemas.microsoft.com/office/drawing/2014/main" id="{A78E8306-1F8F-43DE-9A0A-31D9B524CF8C}"/>
               </a:ext>
             </a:extLst>
           </p:cNvPr>
@@ -4060,7 +3660,7 @@
         </p:nvCxnSpPr>
         <p:spPr>
           <a:xfrm flipV="1">
-            <a:off x="5377343" y="2019157"/>
+            <a:off x="4515516" y="1283699"/>
             <a:ext cx="0" cy="706873"/>
           </a:xfrm>
           <a:prstGeom prst="straightConnector1">
@@ -4088,50 +3688,506 @@
           </a:fontRef>
         </p:style>
       </p:cxnSp>
-      <p:cxnSp>
-        <p:nvCxnSpPr>
-          <p:cNvPr id="25" name="Straight Arrow Connector 24">
-            <a:extLst>
-              <a:ext uri="{FF2B5EF4-FFF2-40B4-BE49-F238E27FC236}">
-                <a16:creationId xmlns:a16="http://schemas.microsoft.com/office/drawing/2014/main" id="{CC39FF7A-ED45-4697-B75C-01E9C1C55F2A}"/>
-              </a:ext>
-            </a:extLst>
-          </p:cNvPr>
-          <p:cNvCxnSpPr>
-            <a:cxnSpLocks/>
-          </p:cNvCxnSpPr>
+      <p:graphicFrame>
+        <p:nvGraphicFramePr>
+          <p:cNvPr id="33" name="Table 4">
+            <a:extLst>
+              <a:ext uri="{FF2B5EF4-FFF2-40B4-BE49-F238E27FC236}">
+                <a16:creationId xmlns:a16="http://schemas.microsoft.com/office/drawing/2014/main" id="{FE10D104-C99E-4BB1-9FDC-A8A607234356}"/>
+              </a:ext>
+            </a:extLst>
+          </p:cNvPr>
+          <p:cNvGraphicFramePr>
+            <a:graphicFrameLocks noGrp="1"/>
+          </p:cNvGraphicFramePr>
+          <p:nvPr>
+            <p:extLst>
+              <p:ext uri="{D42A27DB-BD31-4B8C-83A1-F6EECF244321}">
+                <p14:modId xmlns:p14="http://schemas.microsoft.com/office/powerpoint/2010/main" val="895718805"/>
+              </p:ext>
+            </p:extLst>
+          </p:nvPr>
+        </p:nvGraphicFramePr>
+        <p:xfrm>
+          <a:off x="467901" y="692467"/>
+          <a:ext cx="1528154" cy="365760"/>
+        </p:xfrm>
+        <a:graphic>
+          <a:graphicData uri="http://schemas.openxmlformats.org/drawingml/2006/table">
+            <a:tbl>
+              <a:tblPr>
+                <a:tableStyleId>{638B1855-1B75-4FBE-930C-398BA8C253C6}</a:tableStyleId>
+              </a:tblPr>
+              <a:tblGrid>
+                <a:gridCol w="1528154">
+                  <a:extLst>
+                    <a:ext uri="{9D8B030D-6E8A-4147-A177-3AD203B41FA5}">
+                      <a16:colId xmlns:a16="http://schemas.microsoft.com/office/drawing/2014/main" val="4240773277"/>
+                    </a:ext>
+                  </a:extLst>
+                </a:gridCol>
+              </a:tblGrid>
+              <a:tr h="0">
+                <a:tc>
+                  <a:txBody>
+                    <a:bodyPr/>
+                    <a:lstStyle/>
+                    <a:p>
+                      <a:r>
+                        <a:rPr lang="en-US" altLang="zh-CN" u="sng" dirty="0" err="1"/>
+                        <a:t>im</a:t>
+                      </a:r>
+                      <a:r>
+                        <a:rPr lang="en-SG" u="sng" dirty="0"/>
+                        <a:t>0:</a:t>
+                      </a:r>
+                      <a:r>
+                        <a:rPr lang="en-SG" sz="1800" u="sng" dirty="0"/>
+                        <a:t>Inventory</a:t>
+                      </a:r>
+                      <a:endParaRPr lang="en-SG" sz="1600" u="sng" dirty="0"/>
+                    </a:p>
+                  </a:txBody>
+                  <a:tcPr/>
+                </a:tc>
+                <a:extLst>
+                  <a:ext uri="{0D108BD9-81ED-4DB2-BD59-A6C34878D82A}">
+                    <a16:rowId xmlns:a16="http://schemas.microsoft.com/office/drawing/2014/main" val="2194462629"/>
+                  </a:ext>
+                </a:extLst>
+              </a:tr>
+            </a:tbl>
+          </a:graphicData>
+        </a:graphic>
+      </p:graphicFrame>
+      <p:graphicFrame>
+        <p:nvGraphicFramePr>
+          <p:cNvPr id="34" name="Table 4">
+            <a:extLst>
+              <a:ext uri="{FF2B5EF4-FFF2-40B4-BE49-F238E27FC236}">
+                <a16:creationId xmlns:a16="http://schemas.microsoft.com/office/drawing/2014/main" id="{148BB5C0-4E34-41A9-BA47-4BB5FF152349}"/>
+              </a:ext>
+            </a:extLst>
+          </p:cNvPr>
+          <p:cNvGraphicFramePr>
+            <a:graphicFrameLocks noGrp="1"/>
+          </p:cNvGraphicFramePr>
+          <p:nvPr>
+            <p:extLst>
+              <p:ext uri="{D42A27DB-BD31-4B8C-83A1-F6EECF244321}">
+                <p14:modId xmlns:p14="http://schemas.microsoft.com/office/powerpoint/2010/main" val="2953374721"/>
+              </p:ext>
+            </p:extLst>
+          </p:nvPr>
+        </p:nvGraphicFramePr>
+        <p:xfrm>
+          <a:off x="2120623" y="702823"/>
+          <a:ext cx="1528154" cy="365760"/>
+        </p:xfrm>
+        <a:graphic>
+          <a:graphicData uri="http://schemas.openxmlformats.org/drawingml/2006/table">
+            <a:tbl>
+              <a:tblPr>
+                <a:tableStyleId>{638B1855-1B75-4FBE-930C-398BA8C253C6}</a:tableStyleId>
+              </a:tblPr>
+              <a:tblGrid>
+                <a:gridCol w="1528154">
+                  <a:extLst>
+                    <a:ext uri="{9D8B030D-6E8A-4147-A177-3AD203B41FA5}">
+                      <a16:colId xmlns:a16="http://schemas.microsoft.com/office/drawing/2014/main" val="4240773277"/>
+                    </a:ext>
+                  </a:extLst>
+                </a:gridCol>
+              </a:tblGrid>
+              <a:tr h="0">
+                <a:tc>
+                  <a:txBody>
+                    <a:bodyPr/>
+                    <a:lstStyle/>
+                    <a:p>
+                      <a:r>
+                        <a:rPr lang="en-US" altLang="zh-CN" u="sng" dirty="0" err="1"/>
+                        <a:t>im</a:t>
+                      </a:r>
+                      <a:r>
+                        <a:rPr lang="en-SG" altLang="zh-CN" u="sng" dirty="0"/>
+                        <a:t>1</a:t>
+                      </a:r>
+                      <a:r>
+                        <a:rPr lang="en-SG" u="sng" dirty="0"/>
+                        <a:t>:</a:t>
+                      </a:r>
+                      <a:r>
+                        <a:rPr lang="en-SG" sz="1800" u="sng" dirty="0"/>
+                        <a:t>Inventory</a:t>
+                      </a:r>
+                      <a:endParaRPr lang="en-SG" sz="1600" u="sng" dirty="0"/>
+                    </a:p>
+                  </a:txBody>
+                  <a:tcPr/>
+                </a:tc>
+                <a:extLst>
+                  <a:ext uri="{0D108BD9-81ED-4DB2-BD59-A6C34878D82A}">
+                    <a16:rowId xmlns:a16="http://schemas.microsoft.com/office/drawing/2014/main" val="2194462629"/>
+                  </a:ext>
+                </a:extLst>
+              </a:tr>
+            </a:tbl>
+          </a:graphicData>
+        </a:graphic>
+      </p:graphicFrame>
+      <p:graphicFrame>
+        <p:nvGraphicFramePr>
+          <p:cNvPr id="35" name="Table 4">
+            <a:extLst>
+              <a:ext uri="{FF2B5EF4-FFF2-40B4-BE49-F238E27FC236}">
+                <a16:creationId xmlns:a16="http://schemas.microsoft.com/office/drawing/2014/main" id="{9F320BA5-1D48-42AC-8E93-E8885F541635}"/>
+              </a:ext>
+            </a:extLst>
+          </p:cNvPr>
+          <p:cNvGraphicFramePr>
+            <a:graphicFrameLocks noGrp="1"/>
+          </p:cNvGraphicFramePr>
+          <p:nvPr>
+            <p:extLst>
+              <p:ext uri="{D42A27DB-BD31-4B8C-83A1-F6EECF244321}">
+                <p14:modId xmlns:p14="http://schemas.microsoft.com/office/powerpoint/2010/main" val="2066182029"/>
+              </p:ext>
+            </p:extLst>
+          </p:nvPr>
+        </p:nvGraphicFramePr>
+        <p:xfrm>
+          <a:off x="3754351" y="708919"/>
+          <a:ext cx="1528154" cy="365760"/>
+        </p:xfrm>
+        <a:graphic>
+          <a:graphicData uri="http://schemas.openxmlformats.org/drawingml/2006/table">
+            <a:tbl>
+              <a:tblPr>
+                <a:tableStyleId>{638B1855-1B75-4FBE-930C-398BA8C253C6}</a:tableStyleId>
+              </a:tblPr>
+              <a:tblGrid>
+                <a:gridCol w="1528154">
+                  <a:extLst>
+                    <a:ext uri="{9D8B030D-6E8A-4147-A177-3AD203B41FA5}">
+                      <a16:colId xmlns:a16="http://schemas.microsoft.com/office/drawing/2014/main" val="4240773277"/>
+                    </a:ext>
+                  </a:extLst>
+                </a:gridCol>
+              </a:tblGrid>
+              <a:tr h="0">
+                <a:tc>
+                  <a:txBody>
+                    <a:bodyPr/>
+                    <a:lstStyle/>
+                    <a:p>
+                      <a:r>
+                        <a:rPr lang="en-US" altLang="zh-CN" u="sng" dirty="0" err="1"/>
+                        <a:t>im</a:t>
+                      </a:r>
+                      <a:r>
+                        <a:rPr lang="en-SG" altLang="zh-CN" u="sng" dirty="0"/>
+                        <a:t>2</a:t>
+                      </a:r>
+                      <a:r>
+                        <a:rPr lang="en-SG" u="sng" dirty="0"/>
+                        <a:t>:</a:t>
+                      </a:r>
+                      <a:r>
+                        <a:rPr lang="en-SG" sz="1800" u="sng" dirty="0"/>
+                        <a:t>Inventory</a:t>
+                      </a:r>
+                      <a:endParaRPr lang="en-SG" sz="1600" u="sng" dirty="0"/>
+                    </a:p>
+                  </a:txBody>
+                  <a:tcPr/>
+                </a:tc>
+                <a:extLst>
+                  <a:ext uri="{0D108BD9-81ED-4DB2-BD59-A6C34878D82A}">
+                    <a16:rowId xmlns:a16="http://schemas.microsoft.com/office/drawing/2014/main" val="2194462629"/>
+                  </a:ext>
+                </a:extLst>
+              </a:tr>
+            </a:tbl>
+          </a:graphicData>
+        </a:graphic>
+      </p:graphicFrame>
+      <p:sp>
+        <p:nvSpPr>
+          <p:cNvPr id="37" name="Rectangle 26">
+            <a:extLst>
+              <a:ext uri="{FF2B5EF4-FFF2-40B4-BE49-F238E27FC236}">
+                <a16:creationId xmlns:a16="http://schemas.microsoft.com/office/drawing/2014/main" id="{576145C8-F3F5-47E9-8F49-16DD8E499676}"/>
+              </a:ext>
+            </a:extLst>
+          </p:cNvPr>
+          <p:cNvSpPr/>
           <p:nvPr/>
-        </p:nvCxnSpPr>
+        </p:nvSpPr>
         <p:spPr>
-          <a:xfrm flipV="1">
-            <a:off x="3380763" y="4504888"/>
-            <a:ext cx="0" cy="730001"/>
+          <a:xfrm>
+            <a:off x="385837" y="3061907"/>
+            <a:ext cx="11364686" cy="593918"/>
           </a:xfrm>
-          <a:prstGeom prst="straightConnector1">
+          <a:prstGeom prst="rect">
             <a:avLst/>
           </a:prstGeom>
+          <a:noFill/>
           <a:ln>
             <a:solidFill>
-              <a:srgbClr val="C00000"/>
+              <a:schemeClr val="tx1"/>
             </a:solidFill>
-            <a:tailEnd type="triangle"/>
           </a:ln>
         </p:spPr>
         <p:style>
-          <a:lnRef idx="1">
-            <a:schemeClr val="accent1"/>
+          <a:lnRef idx="2">
+            <a:schemeClr val="accent1">
+              <a:shade val="50000"/>
+            </a:schemeClr>
           </a:lnRef>
-          <a:fillRef idx="0">
+          <a:fillRef idx="1">
             <a:schemeClr val="accent1"/>
           </a:fillRef>
           <a:effectRef idx="0">
             <a:schemeClr val="accent1"/>
           </a:effectRef>
           <a:fontRef idx="minor">
-            <a:schemeClr val="tx1"/>
+            <a:schemeClr val="lt1"/>
           </a:fontRef>
         </p:style>
-      </p:cxnSp>
+        <p:txBody>
+          <a:bodyPr rtlCol="0" anchor="ctr"/>
+          <a:lstStyle/>
+          <a:p>
+            <a:pPr algn="ctr"/>
+            <a:endParaRPr lang="en-US"/>
+          </a:p>
+        </p:txBody>
+      </p:sp>
+      <p:graphicFrame>
+        <p:nvGraphicFramePr>
+          <p:cNvPr id="40" name="Table 4">
+            <a:extLst>
+              <a:ext uri="{FF2B5EF4-FFF2-40B4-BE49-F238E27FC236}">
+                <a16:creationId xmlns:a16="http://schemas.microsoft.com/office/drawing/2014/main" id="{005192C8-4AE8-484A-A0FA-EC15F55DB132}"/>
+              </a:ext>
+            </a:extLst>
+          </p:cNvPr>
+          <p:cNvGraphicFramePr>
+            <a:graphicFrameLocks noGrp="1"/>
+          </p:cNvGraphicFramePr>
+          <p:nvPr>
+            <p:extLst>
+              <p:ext uri="{D42A27DB-BD31-4B8C-83A1-F6EECF244321}">
+                <p14:modId xmlns:p14="http://schemas.microsoft.com/office/powerpoint/2010/main" val="303438892"/>
+              </p:ext>
+            </p:extLst>
+          </p:nvPr>
+        </p:nvGraphicFramePr>
+        <p:xfrm>
+          <a:off x="469382" y="3170809"/>
+          <a:ext cx="1528154" cy="365760"/>
+        </p:xfrm>
+        <a:graphic>
+          <a:graphicData uri="http://schemas.openxmlformats.org/drawingml/2006/table">
+            <a:tbl>
+              <a:tblPr>
+                <a:tableStyleId>{638B1855-1B75-4FBE-930C-398BA8C253C6}</a:tableStyleId>
+              </a:tblPr>
+              <a:tblGrid>
+                <a:gridCol w="1528154">
+                  <a:extLst>
+                    <a:ext uri="{9D8B030D-6E8A-4147-A177-3AD203B41FA5}">
+                      <a16:colId xmlns:a16="http://schemas.microsoft.com/office/drawing/2014/main" val="4240773277"/>
+                    </a:ext>
+                  </a:extLst>
+                </a:gridCol>
+              </a:tblGrid>
+              <a:tr h="0">
+                <a:tc>
+                  <a:txBody>
+                    <a:bodyPr/>
+                    <a:lstStyle/>
+                    <a:p>
+                      <a:r>
+                        <a:rPr lang="en-US" altLang="zh-CN" u="sng" dirty="0" err="1"/>
+                        <a:t>im</a:t>
+                      </a:r>
+                      <a:r>
+                        <a:rPr lang="en-SG" u="sng" dirty="0"/>
+                        <a:t>0:</a:t>
+                      </a:r>
+                      <a:r>
+                        <a:rPr lang="en-SG" sz="1800" u="sng" dirty="0"/>
+                        <a:t>Inventory</a:t>
+                      </a:r>
+                      <a:endParaRPr lang="en-SG" sz="1600" u="sng" dirty="0"/>
+                    </a:p>
+                  </a:txBody>
+                  <a:tcPr/>
+                </a:tc>
+                <a:extLst>
+                  <a:ext uri="{0D108BD9-81ED-4DB2-BD59-A6C34878D82A}">
+                    <a16:rowId xmlns:a16="http://schemas.microsoft.com/office/drawing/2014/main" val="2194462629"/>
+                  </a:ext>
+                </a:extLst>
+              </a:tr>
+            </a:tbl>
+          </a:graphicData>
+        </a:graphic>
+      </p:graphicFrame>
+      <p:graphicFrame>
+        <p:nvGraphicFramePr>
+          <p:cNvPr id="41" name="Table 4">
+            <a:extLst>
+              <a:ext uri="{FF2B5EF4-FFF2-40B4-BE49-F238E27FC236}">
+                <a16:creationId xmlns:a16="http://schemas.microsoft.com/office/drawing/2014/main" id="{D1FE94BD-FD78-4350-84D3-92A1B3A72C14}"/>
+              </a:ext>
+            </a:extLst>
+          </p:cNvPr>
+          <p:cNvGraphicFramePr>
+            <a:graphicFrameLocks noGrp="1"/>
+          </p:cNvGraphicFramePr>
+          <p:nvPr>
+            <p:extLst>
+              <p:ext uri="{D42A27DB-BD31-4B8C-83A1-F6EECF244321}">
+                <p14:modId xmlns:p14="http://schemas.microsoft.com/office/powerpoint/2010/main" val="3838516268"/>
+              </p:ext>
+            </p:extLst>
+          </p:nvPr>
+        </p:nvGraphicFramePr>
+        <p:xfrm>
+          <a:off x="2122104" y="3181165"/>
+          <a:ext cx="1528154" cy="365760"/>
+        </p:xfrm>
+        <a:graphic>
+          <a:graphicData uri="http://schemas.openxmlformats.org/drawingml/2006/table">
+            <a:tbl>
+              <a:tblPr>
+                <a:tableStyleId>{638B1855-1B75-4FBE-930C-398BA8C253C6}</a:tableStyleId>
+              </a:tblPr>
+              <a:tblGrid>
+                <a:gridCol w="1528154">
+                  <a:extLst>
+                    <a:ext uri="{9D8B030D-6E8A-4147-A177-3AD203B41FA5}">
+                      <a16:colId xmlns:a16="http://schemas.microsoft.com/office/drawing/2014/main" val="4240773277"/>
+                    </a:ext>
+                  </a:extLst>
+                </a:gridCol>
+              </a:tblGrid>
+              <a:tr h="0">
+                <a:tc>
+                  <a:txBody>
+                    <a:bodyPr/>
+                    <a:lstStyle/>
+                    <a:p>
+                      <a:r>
+                        <a:rPr lang="en-US" altLang="zh-CN" u="sng" dirty="0" err="1"/>
+                        <a:t>im</a:t>
+                      </a:r>
+                      <a:r>
+                        <a:rPr lang="en-SG" altLang="zh-CN" u="sng" dirty="0"/>
+                        <a:t>1</a:t>
+                      </a:r>
+                      <a:r>
+                        <a:rPr lang="en-SG" u="sng" dirty="0"/>
+                        <a:t>:</a:t>
+                      </a:r>
+                      <a:r>
+                        <a:rPr lang="en-SG" sz="1800" u="sng" dirty="0"/>
+                        <a:t>Inventory</a:t>
+                      </a:r>
+                      <a:endParaRPr lang="en-SG" sz="1600" u="sng" dirty="0"/>
+                    </a:p>
+                  </a:txBody>
+                  <a:tcPr/>
+                </a:tc>
+                <a:extLst>
+                  <a:ext uri="{0D108BD9-81ED-4DB2-BD59-A6C34878D82A}">
+                    <a16:rowId xmlns:a16="http://schemas.microsoft.com/office/drawing/2014/main" val="2194462629"/>
+                  </a:ext>
+                </a:extLst>
+              </a:tr>
+            </a:tbl>
+          </a:graphicData>
+        </a:graphic>
+      </p:graphicFrame>
+      <p:graphicFrame>
+        <p:nvGraphicFramePr>
+          <p:cNvPr id="42" name="Table 4">
+            <a:extLst>
+              <a:ext uri="{FF2B5EF4-FFF2-40B4-BE49-F238E27FC236}">
+                <a16:creationId xmlns:a16="http://schemas.microsoft.com/office/drawing/2014/main" id="{893E0C4A-6353-437A-A984-AB1BFB9C92FA}"/>
+              </a:ext>
+            </a:extLst>
+          </p:cNvPr>
+          <p:cNvGraphicFramePr>
+            <a:graphicFrameLocks noGrp="1"/>
+          </p:cNvGraphicFramePr>
+          <p:nvPr>
+            <p:extLst>
+              <p:ext uri="{D42A27DB-BD31-4B8C-83A1-F6EECF244321}">
+                <p14:modId xmlns:p14="http://schemas.microsoft.com/office/powerpoint/2010/main" val="4026377789"/>
+              </p:ext>
+            </p:extLst>
+          </p:nvPr>
+        </p:nvGraphicFramePr>
+        <p:xfrm>
+          <a:off x="3755832" y="3187261"/>
+          <a:ext cx="1528154" cy="365760"/>
+        </p:xfrm>
+        <a:graphic>
+          <a:graphicData uri="http://schemas.openxmlformats.org/drawingml/2006/table">
+            <a:tbl>
+              <a:tblPr>
+                <a:tableStyleId>{638B1855-1B75-4FBE-930C-398BA8C253C6}</a:tableStyleId>
+              </a:tblPr>
+              <a:tblGrid>
+                <a:gridCol w="1528154">
+                  <a:extLst>
+                    <a:ext uri="{9D8B030D-6E8A-4147-A177-3AD203B41FA5}">
+                      <a16:colId xmlns:a16="http://schemas.microsoft.com/office/drawing/2014/main" val="4240773277"/>
+                    </a:ext>
+                  </a:extLst>
+                </a:gridCol>
+              </a:tblGrid>
+              <a:tr h="0">
+                <a:tc>
+                  <a:txBody>
+                    <a:bodyPr/>
+                    <a:lstStyle/>
+                    <a:p>
+                      <a:r>
+                        <a:rPr lang="en-US" altLang="zh-CN" u="sng" dirty="0" err="1"/>
+                        <a:t>im</a:t>
+                      </a:r>
+                      <a:r>
+                        <a:rPr lang="en-SG" altLang="zh-CN" u="sng" dirty="0"/>
+                        <a:t>2</a:t>
+                      </a:r>
+                      <a:r>
+                        <a:rPr lang="en-SG" u="sng" dirty="0"/>
+                        <a:t>:</a:t>
+                      </a:r>
+                      <a:r>
+                        <a:rPr lang="en-SG" sz="1800" u="sng" dirty="0"/>
+                        <a:t>Inventory</a:t>
+                      </a:r>
+                      <a:endParaRPr lang="en-SG" sz="1600" u="sng" dirty="0"/>
+                    </a:p>
+                  </a:txBody>
+                  <a:tcPr/>
+                </a:tc>
+                <a:extLst>
+                  <a:ext uri="{0D108BD9-81ED-4DB2-BD59-A6C34878D82A}">
+                    <a16:rowId xmlns:a16="http://schemas.microsoft.com/office/drawing/2014/main" val="2194462629"/>
+                  </a:ext>
+                </a:extLst>
+              </a:tr>
+            </a:tbl>
+          </a:graphicData>
+        </a:graphic>
+      </p:graphicFrame>
     </p:spTree>
     <p:extLst>
       <p:ext uri="{BB962C8B-B14F-4D97-AF65-F5344CB8AC3E}">
